--- a/PaperPrototype/PhysicalPaperPrototype.pptx
+++ b/PaperPrototype/PhysicalPaperPrototype.pptx
@@ -111,13 +111,18 @@
       </a:defRPr>
     </a:lvl9pPr>
   </p:defaultTextStyle>
+  <p:extLst>
+    <p:ext uri="{EFAFB233-063F-42B5-8137-9DF3F51BA10A}">
+      <p15:sldGuideLst xmlns:p15="http://schemas.microsoft.com/office/powerpoint/2012/main"/>
+    </p:ext>
+  </p:extLst>
 </p:presentation>
 </file>
 
 <file path=ppt/revisionInfo.xml><?xml version="1.0" encoding="utf-8"?>
 <p1510:revInfo xmlns:a="http://schemas.openxmlformats.org/drawingml/2006/main" xmlns:r="http://schemas.openxmlformats.org/officeDocument/2006/relationships" xmlns:p1510="http://schemas.microsoft.com/office/powerpoint/2015/10/main">
   <p1510:revLst>
-    <p1510:client id="{E55DF9BA-228C-4A0C-B233-7AA16AC8AB6E}" v="100" dt="2022-03-12T01:27:02.796"/>
+    <p1510:client id="{E55DF9BA-228C-4A0C-B233-7AA16AC8AB6E}" v="103" dt="2022-03-13T22:39:43.519"/>
   </p1510:revLst>
 </p1510:revInfo>
 </file>
@@ -127,7 +132,7 @@
   <pc:docChgLst>
     <pc:chgData name="James Ouk" userId="805f5bd89f6d97ab" providerId="LiveId" clId="{E55DF9BA-228C-4A0C-B233-7AA16AC8AB6E}"/>
     <pc:docChg chg="undo custSel addSld modSld sldOrd">
-      <pc:chgData name="James Ouk" userId="805f5bd89f6d97ab" providerId="LiveId" clId="{E55DF9BA-228C-4A0C-B233-7AA16AC8AB6E}" dt="2022-03-12T01:27:23.524" v="885" actId="1076"/>
+      <pc:chgData name="James Ouk" userId="805f5bd89f6d97ab" providerId="LiveId" clId="{E55DF9BA-228C-4A0C-B233-7AA16AC8AB6E}" dt="2022-03-14T00:44:07.664" v="903" actId="478"/>
       <pc:docMkLst>
         <pc:docMk/>
       </pc:docMkLst>
@@ -1025,7 +1030,7 @@
         </pc:inkChg>
       </pc:sldChg>
       <pc:sldChg chg="addSp delSp modSp add mod modNotesTx">
-        <pc:chgData name="James Ouk" userId="805f5bd89f6d97ab" providerId="LiveId" clId="{E55DF9BA-228C-4A0C-B233-7AA16AC8AB6E}" dt="2022-03-12T01:21:38.690" v="808" actId="21"/>
+        <pc:chgData name="James Ouk" userId="805f5bd89f6d97ab" providerId="LiveId" clId="{E55DF9BA-228C-4A0C-B233-7AA16AC8AB6E}" dt="2022-03-14T00:44:07.664" v="903" actId="478"/>
         <pc:sldMkLst>
           <pc:docMk/>
           <pc:sldMk cId="3530683749" sldId="259"/>
@@ -1046,6 +1051,46 @@
             <ac:spMk id="8" creationId="{ABDAF627-07C8-4369-B091-A8276409487B}"/>
           </ac:spMkLst>
         </pc:spChg>
+        <pc:spChg chg="mod">
+          <ac:chgData name="James Ouk" userId="805f5bd89f6d97ab" providerId="LiveId" clId="{E55DF9BA-228C-4A0C-B233-7AA16AC8AB6E}" dt="2022-03-13T22:39:10.450" v="887"/>
+          <ac:spMkLst>
+            <pc:docMk/>
+            <pc:sldMk cId="3530683749" sldId="259"/>
+            <ac:spMk id="23" creationId="{2D694884-2FA0-40C3-806E-00725EBD7E21}"/>
+          </ac:spMkLst>
+        </pc:spChg>
+        <pc:spChg chg="mod">
+          <ac:chgData name="James Ouk" userId="805f5bd89f6d97ab" providerId="LiveId" clId="{E55DF9BA-228C-4A0C-B233-7AA16AC8AB6E}" dt="2022-03-13T22:39:10.450" v="887"/>
+          <ac:spMkLst>
+            <pc:docMk/>
+            <pc:sldMk cId="3530683749" sldId="259"/>
+            <ac:spMk id="24" creationId="{0A3D3386-705F-445C-8B2A-CDF49CA983B1}"/>
+          </ac:spMkLst>
+        </pc:spChg>
+        <pc:spChg chg="add del mod">
+          <ac:chgData name="James Ouk" userId="805f5bd89f6d97ab" providerId="LiveId" clId="{E55DF9BA-228C-4A0C-B233-7AA16AC8AB6E}" dt="2022-03-14T00:44:07.664" v="903" actId="478"/>
+          <ac:spMkLst>
+            <pc:docMk/>
+            <pc:sldMk cId="3530683749" sldId="259"/>
+            <ac:spMk id="25" creationId="{C56330BA-7B84-4C7A-9C45-99EC24D5B2C2}"/>
+          </ac:spMkLst>
+        </pc:spChg>
+        <pc:spChg chg="add del mod">
+          <ac:chgData name="James Ouk" userId="805f5bd89f6d97ab" providerId="LiveId" clId="{E55DF9BA-228C-4A0C-B233-7AA16AC8AB6E}" dt="2022-03-13T22:57:28.177" v="897" actId="478"/>
+          <ac:spMkLst>
+            <pc:docMk/>
+            <pc:sldMk cId="3530683749" sldId="259"/>
+            <ac:spMk id="27" creationId="{655AA548-A758-47B8-A1A2-F16249DA14A0}"/>
+          </ac:spMkLst>
+        </pc:spChg>
+        <pc:spChg chg="add del mod">
+          <ac:chgData name="James Ouk" userId="805f5bd89f6d97ab" providerId="LiveId" clId="{E55DF9BA-228C-4A0C-B233-7AA16AC8AB6E}" dt="2022-03-14T00:44:02.915" v="901" actId="478"/>
+          <ac:spMkLst>
+            <pc:docMk/>
+            <pc:sldMk cId="3530683749" sldId="259"/>
+            <ac:spMk id="32" creationId="{FF41B3EB-B7FE-42A3-9753-0DA4C4B6B67F}"/>
+          </ac:spMkLst>
+        </pc:spChg>
         <pc:spChg chg="del">
           <ac:chgData name="James Ouk" userId="805f5bd89f6d97ab" providerId="LiveId" clId="{E55DF9BA-228C-4A0C-B233-7AA16AC8AB6E}" dt="2022-03-12T01:13:48.203" v="652" actId="478"/>
           <ac:spMkLst>
@@ -1078,6 +1123,14 @@
             <ac:grpSpMk id="7" creationId="{5255A769-6F46-4E42-B548-82B25AB84350}"/>
           </ac:grpSpMkLst>
         </pc:grpChg>
+        <pc:grpChg chg="add del mod">
+          <ac:chgData name="James Ouk" userId="805f5bd89f6d97ab" providerId="LiveId" clId="{E55DF9BA-228C-4A0C-B233-7AA16AC8AB6E}" dt="2022-03-14T00:44:01.149" v="900" actId="478"/>
+          <ac:grpSpMkLst>
+            <pc:docMk/>
+            <pc:sldMk cId="3530683749" sldId="259"/>
+            <ac:grpSpMk id="22" creationId="{164DD9B1-B015-4F50-B0AA-D883C22E0669}"/>
+          </ac:grpSpMkLst>
+        </pc:grpChg>
         <pc:grpChg chg="add mod">
           <ac:chgData name="James Ouk" userId="805f5bd89f6d97ab" providerId="LiveId" clId="{E55DF9BA-228C-4A0C-B233-7AA16AC8AB6E}" dt="2022-03-12T01:15:52.256" v="656" actId="1076"/>
           <ac:grpSpMkLst>
@@ -1360,7 +1413,7 @@
         </pc:cxnChg>
       </pc:sldChg>
       <pc:sldChg chg="addSp delSp modSp new mod">
-        <pc:chgData name="James Ouk" userId="805f5bd89f6d97ab" providerId="LiveId" clId="{E55DF9BA-228C-4A0C-B233-7AA16AC8AB6E}" dt="2022-03-12T01:27:23.524" v="885" actId="1076"/>
+        <pc:chgData name="James Ouk" userId="805f5bd89f6d97ab" providerId="LiveId" clId="{E55DF9BA-228C-4A0C-B233-7AA16AC8AB6E}" dt="2022-03-13T22:39:04.926" v="886" actId="164"/>
         <pc:sldMkLst>
           <pc:docMk/>
           <pc:sldMk cId="4290862708" sldId="260"/>
@@ -1422,7 +1475,7 @@
           </ac:spMkLst>
         </pc:spChg>
         <pc:spChg chg="add mod">
-          <ac:chgData name="James Ouk" userId="805f5bd89f6d97ab" providerId="LiveId" clId="{E55DF9BA-228C-4A0C-B233-7AA16AC8AB6E}" dt="2022-03-12T01:26:34.517" v="853" actId="13822"/>
+          <ac:chgData name="James Ouk" userId="805f5bd89f6d97ab" providerId="LiveId" clId="{E55DF9BA-228C-4A0C-B233-7AA16AC8AB6E}" dt="2022-03-13T22:39:04.926" v="886" actId="164"/>
           <ac:spMkLst>
             <pc:docMk/>
             <pc:sldMk cId="4290862708" sldId="260"/>
@@ -1430,7 +1483,7 @@
           </ac:spMkLst>
         </pc:spChg>
         <pc:spChg chg="add mod ord">
-          <ac:chgData name="James Ouk" userId="805f5bd89f6d97ab" providerId="LiveId" clId="{E55DF9BA-228C-4A0C-B233-7AA16AC8AB6E}" dt="2022-03-12T01:26:49.571" v="855" actId="1076"/>
+          <ac:chgData name="James Ouk" userId="805f5bd89f6d97ab" providerId="LiveId" clId="{E55DF9BA-228C-4A0C-B233-7AA16AC8AB6E}" dt="2022-03-13T22:39:04.926" v="886" actId="164"/>
           <ac:spMkLst>
             <pc:docMk/>
             <pc:sldMk cId="4290862708" sldId="260"/>
@@ -1445,6 +1498,14 @@
             <ac:spMk id="11" creationId="{AEE900E9-A373-4D68-BD02-C8913F873D78}"/>
           </ac:spMkLst>
         </pc:spChg>
+        <pc:grpChg chg="add mod">
+          <ac:chgData name="James Ouk" userId="805f5bd89f6d97ab" providerId="LiveId" clId="{E55DF9BA-228C-4A0C-B233-7AA16AC8AB6E}" dt="2022-03-13T22:39:04.926" v="886" actId="164"/>
+          <ac:grpSpMkLst>
+            <pc:docMk/>
+            <pc:sldMk cId="4290862708" sldId="260"/>
+            <ac:grpSpMk id="2" creationId="{AF938D47-3D97-4BB4-8DBD-075482217EF7}"/>
+          </ac:grpSpMkLst>
+        </pc:grpChg>
       </pc:sldChg>
     </pc:docChg>
   </pc:docChgLst>
@@ -4152,7 +4213,7 @@
           <a:p>
             <a:fld id="{7593CC31-75B8-4601-96E4-36275A2BEE4B}" type="datetimeFigureOut">
               <a:rPr lang="en-US" smtClean="0"/>
-              <a:t>3/11/2022</a:t>
+              <a:t>3/13/2022</a:t>
             </a:fld>
             <a:endParaRPr lang="en-US"/>
           </a:p>
@@ -4931,7 +4992,7 @@
           <a:p>
             <a:fld id="{40A4E2D7-6023-4E85-8DC2-130FF004B52C}" type="datetimeFigureOut">
               <a:rPr lang="en-US" smtClean="0"/>
-              <a:t>3/11/2022</a:t>
+              <a:t>3/13/2022</a:t>
             </a:fld>
             <a:endParaRPr lang="en-US"/>
           </a:p>
@@ -5101,7 +5162,7 @@
           <a:p>
             <a:fld id="{40A4E2D7-6023-4E85-8DC2-130FF004B52C}" type="datetimeFigureOut">
               <a:rPr lang="en-US" smtClean="0"/>
-              <a:t>3/11/2022</a:t>
+              <a:t>3/13/2022</a:t>
             </a:fld>
             <a:endParaRPr lang="en-US"/>
           </a:p>
@@ -5281,7 +5342,7 @@
           <a:p>
             <a:fld id="{40A4E2D7-6023-4E85-8DC2-130FF004B52C}" type="datetimeFigureOut">
               <a:rPr lang="en-US" smtClean="0"/>
-              <a:t>3/11/2022</a:t>
+              <a:t>3/13/2022</a:t>
             </a:fld>
             <a:endParaRPr lang="en-US"/>
           </a:p>
@@ -5451,7 +5512,7 @@
           <a:p>
             <a:fld id="{40A4E2D7-6023-4E85-8DC2-130FF004B52C}" type="datetimeFigureOut">
               <a:rPr lang="en-US" smtClean="0"/>
-              <a:t>3/11/2022</a:t>
+              <a:t>3/13/2022</a:t>
             </a:fld>
             <a:endParaRPr lang="en-US"/>
           </a:p>
@@ -5695,7 +5756,7 @@
           <a:p>
             <a:fld id="{40A4E2D7-6023-4E85-8DC2-130FF004B52C}" type="datetimeFigureOut">
               <a:rPr lang="en-US" smtClean="0"/>
-              <a:t>3/11/2022</a:t>
+              <a:t>3/13/2022</a:t>
             </a:fld>
             <a:endParaRPr lang="en-US"/>
           </a:p>
@@ -5927,7 +5988,7 @@
           <a:p>
             <a:fld id="{40A4E2D7-6023-4E85-8DC2-130FF004B52C}" type="datetimeFigureOut">
               <a:rPr lang="en-US" smtClean="0"/>
-              <a:t>3/11/2022</a:t>
+              <a:t>3/13/2022</a:t>
             </a:fld>
             <a:endParaRPr lang="en-US"/>
           </a:p>
@@ -6294,7 +6355,7 @@
           <a:p>
             <a:fld id="{40A4E2D7-6023-4E85-8DC2-130FF004B52C}" type="datetimeFigureOut">
               <a:rPr lang="en-US" smtClean="0"/>
-              <a:t>3/11/2022</a:t>
+              <a:t>3/13/2022</a:t>
             </a:fld>
             <a:endParaRPr lang="en-US"/>
           </a:p>
@@ -6412,7 +6473,7 @@
           <a:p>
             <a:fld id="{40A4E2D7-6023-4E85-8DC2-130FF004B52C}" type="datetimeFigureOut">
               <a:rPr lang="en-US" smtClean="0"/>
-              <a:t>3/11/2022</a:t>
+              <a:t>3/13/2022</a:t>
             </a:fld>
             <a:endParaRPr lang="en-US"/>
           </a:p>
@@ -6507,7 +6568,7 @@
           <a:p>
             <a:fld id="{40A4E2D7-6023-4E85-8DC2-130FF004B52C}" type="datetimeFigureOut">
               <a:rPr lang="en-US" smtClean="0"/>
-              <a:t>3/11/2022</a:t>
+              <a:t>3/13/2022</a:t>
             </a:fld>
             <a:endParaRPr lang="en-US"/>
           </a:p>
@@ -6784,7 +6845,7 @@
           <a:p>
             <a:fld id="{40A4E2D7-6023-4E85-8DC2-130FF004B52C}" type="datetimeFigureOut">
               <a:rPr lang="en-US" smtClean="0"/>
-              <a:t>3/11/2022</a:t>
+              <a:t>3/13/2022</a:t>
             </a:fld>
             <a:endParaRPr lang="en-US"/>
           </a:p>
@@ -7041,7 +7102,7 @@
           <a:p>
             <a:fld id="{40A4E2D7-6023-4E85-8DC2-130FF004B52C}" type="datetimeFigureOut">
               <a:rPr lang="en-US" smtClean="0"/>
-              <a:t>3/11/2022</a:t>
+              <a:t>3/13/2022</a:t>
             </a:fld>
             <a:endParaRPr lang="en-US"/>
           </a:p>
@@ -7254,7 +7315,7 @@
           <a:p>
             <a:fld id="{40A4E2D7-6023-4E85-8DC2-130FF004B52C}" type="datetimeFigureOut">
               <a:rPr lang="en-US" smtClean="0"/>
-              <a:t>3/11/2022</a:t>
+              <a:t>3/13/2022</a:t>
             </a:fld>
             <a:endParaRPr lang="en-US"/>
           </a:p>
@@ -7711,8 +7772,8 @@
           </a:p>
         </p:txBody>
       </p:sp>
-      <mc:AlternateContent xmlns:mc="http://schemas.openxmlformats.org/markup-compatibility/2006">
-        <mc:Choice xmlns:p14="http://schemas.microsoft.com/office/powerpoint/2010/main" Requires="p14">
+      <mc:AlternateContent xmlns:mc="http://schemas.openxmlformats.org/markup-compatibility/2006" xmlns:p14="http://schemas.microsoft.com/office/powerpoint/2010/main">
+        <mc:Choice Requires="p14">
           <p:contentPart p14:bwMode="auto" r:id="rId3">
             <p14:nvContentPartPr>
               <p14:cNvPr id="11" name="Ink 10">
@@ -7731,7 +7792,7 @@
             </p14:xfrm>
           </p:contentPart>
         </mc:Choice>
-        <mc:Fallback>
+        <mc:Fallback xmlns="">
           <p:pic>
             <p:nvPicPr>
               <p:cNvPr id="11" name="Ink 10">
@@ -7762,8 +7823,8 @@
           </p:pic>
         </mc:Fallback>
       </mc:AlternateContent>
-      <mc:AlternateContent xmlns:mc="http://schemas.openxmlformats.org/markup-compatibility/2006">
-        <mc:Choice xmlns:p14="http://schemas.microsoft.com/office/powerpoint/2010/main" Requires="p14">
+      <mc:AlternateContent xmlns:mc="http://schemas.openxmlformats.org/markup-compatibility/2006" xmlns:p14="http://schemas.microsoft.com/office/powerpoint/2010/main">
+        <mc:Choice Requires="p14">
           <p:contentPart p14:bwMode="auto" r:id="rId5">
             <p14:nvContentPartPr>
               <p14:cNvPr id="12" name="Ink 11">
@@ -7782,7 +7843,7 @@
             </p14:xfrm>
           </p:contentPart>
         </mc:Choice>
-        <mc:Fallback>
+        <mc:Fallback xmlns="">
           <p:pic>
             <p:nvPicPr>
               <p:cNvPr id="12" name="Ink 11">
@@ -7813,8 +7874,8 @@
           </p:pic>
         </mc:Fallback>
       </mc:AlternateContent>
-      <mc:AlternateContent xmlns:mc="http://schemas.openxmlformats.org/markup-compatibility/2006">
-        <mc:Choice xmlns:p14="http://schemas.microsoft.com/office/powerpoint/2010/main" Requires="p14">
+      <mc:AlternateContent xmlns:mc="http://schemas.openxmlformats.org/markup-compatibility/2006" xmlns:p14="http://schemas.microsoft.com/office/powerpoint/2010/main">
+        <mc:Choice Requires="p14">
           <p:contentPart p14:bwMode="auto" r:id="rId7">
             <p14:nvContentPartPr>
               <p14:cNvPr id="13" name="Ink 12">
@@ -7833,7 +7894,7 @@
             </p14:xfrm>
           </p:contentPart>
         </mc:Choice>
-        <mc:Fallback>
+        <mc:Fallback xmlns="">
           <p:pic>
             <p:nvPicPr>
               <p:cNvPr id="13" name="Ink 12">
@@ -7864,8 +7925,8 @@
           </p:pic>
         </mc:Fallback>
       </mc:AlternateContent>
-      <mc:AlternateContent xmlns:mc="http://schemas.openxmlformats.org/markup-compatibility/2006">
-        <mc:Choice xmlns:p14="http://schemas.microsoft.com/office/powerpoint/2010/main" Requires="p14">
+      <mc:AlternateContent xmlns:mc="http://schemas.openxmlformats.org/markup-compatibility/2006" xmlns:p14="http://schemas.microsoft.com/office/powerpoint/2010/main">
+        <mc:Choice Requires="p14">
           <p:contentPart p14:bwMode="auto" r:id="rId9">
             <p14:nvContentPartPr>
               <p14:cNvPr id="14" name="Ink 13">
@@ -7884,7 +7945,7 @@
             </p14:xfrm>
           </p:contentPart>
         </mc:Choice>
-        <mc:Fallback>
+        <mc:Fallback xmlns="">
           <p:pic>
             <p:nvPicPr>
               <p:cNvPr id="14" name="Ink 13">
@@ -7915,8 +7976,8 @@
           </p:pic>
         </mc:Fallback>
       </mc:AlternateContent>
-      <mc:AlternateContent xmlns:mc="http://schemas.openxmlformats.org/markup-compatibility/2006">
-        <mc:Choice xmlns:p14="http://schemas.microsoft.com/office/powerpoint/2010/main" Requires="p14">
+      <mc:AlternateContent xmlns:mc="http://schemas.openxmlformats.org/markup-compatibility/2006" xmlns:p14="http://schemas.microsoft.com/office/powerpoint/2010/main">
+        <mc:Choice Requires="p14">
           <p:contentPart p14:bwMode="auto" r:id="rId11">
             <p14:nvContentPartPr>
               <p14:cNvPr id="15" name="Ink 14">
@@ -7935,7 +7996,7 @@
             </p14:xfrm>
           </p:contentPart>
         </mc:Choice>
-        <mc:Fallback>
+        <mc:Fallback xmlns="">
           <p:pic>
             <p:nvPicPr>
               <p:cNvPr id="15" name="Ink 14">
@@ -7966,8 +8027,8 @@
           </p:pic>
         </mc:Fallback>
       </mc:AlternateContent>
-      <mc:AlternateContent xmlns:mc="http://schemas.openxmlformats.org/markup-compatibility/2006">
-        <mc:Choice xmlns:p14="http://schemas.microsoft.com/office/powerpoint/2010/main" Requires="p14">
+      <mc:AlternateContent xmlns:mc="http://schemas.openxmlformats.org/markup-compatibility/2006" xmlns:p14="http://schemas.microsoft.com/office/powerpoint/2010/main">
+        <mc:Choice Requires="p14">
           <p:contentPart p14:bwMode="auto" r:id="rId13">
             <p14:nvContentPartPr>
               <p14:cNvPr id="16" name="Ink 15">
@@ -7986,7 +8047,7 @@
             </p14:xfrm>
           </p:contentPart>
         </mc:Choice>
-        <mc:Fallback>
+        <mc:Fallback xmlns="">
           <p:pic>
             <p:nvPicPr>
               <p:cNvPr id="16" name="Ink 15">
@@ -8017,8 +8078,8 @@
           </p:pic>
         </mc:Fallback>
       </mc:AlternateContent>
-      <mc:AlternateContent xmlns:mc="http://schemas.openxmlformats.org/markup-compatibility/2006">
-        <mc:Choice xmlns:p14="http://schemas.microsoft.com/office/powerpoint/2010/main" Requires="p14">
+      <mc:AlternateContent xmlns:mc="http://schemas.openxmlformats.org/markup-compatibility/2006" xmlns:p14="http://schemas.microsoft.com/office/powerpoint/2010/main">
+        <mc:Choice Requires="p14">
           <p:contentPart p14:bwMode="auto" r:id="rId15">
             <p14:nvContentPartPr>
               <p14:cNvPr id="17" name="Ink 16">
@@ -8037,7 +8098,7 @@
             </p14:xfrm>
           </p:contentPart>
         </mc:Choice>
-        <mc:Fallback>
+        <mc:Fallback xmlns="">
           <p:pic>
             <p:nvPicPr>
               <p:cNvPr id="17" name="Ink 16">
@@ -8068,8 +8129,8 @@
           </p:pic>
         </mc:Fallback>
       </mc:AlternateContent>
-      <mc:AlternateContent xmlns:mc="http://schemas.openxmlformats.org/markup-compatibility/2006">
-        <mc:Choice xmlns:p14="http://schemas.microsoft.com/office/powerpoint/2010/main" Requires="p14">
+      <mc:AlternateContent xmlns:mc="http://schemas.openxmlformats.org/markup-compatibility/2006" xmlns:p14="http://schemas.microsoft.com/office/powerpoint/2010/main">
+        <mc:Choice Requires="p14">
           <p:contentPart p14:bwMode="auto" r:id="rId17">
             <p14:nvContentPartPr>
               <p14:cNvPr id="18" name="Ink 17">
@@ -8088,7 +8149,7 @@
             </p14:xfrm>
           </p:contentPart>
         </mc:Choice>
-        <mc:Fallback>
+        <mc:Fallback xmlns="">
           <p:pic>
             <p:nvPicPr>
               <p:cNvPr id="18" name="Ink 17">
@@ -8139,8 +8200,8 @@
             <a:chExt cx="281160" cy="837720"/>
           </a:xfrm>
         </p:grpSpPr>
-        <mc:AlternateContent xmlns:mc="http://schemas.openxmlformats.org/markup-compatibility/2006">
-          <mc:Choice xmlns:p14="http://schemas.microsoft.com/office/powerpoint/2010/main" Requires="p14">
+        <mc:AlternateContent xmlns:mc="http://schemas.openxmlformats.org/markup-compatibility/2006" xmlns:p14="http://schemas.microsoft.com/office/powerpoint/2010/main">
+          <mc:Choice Requires="p14">
             <p:contentPart p14:bwMode="auto" r:id="rId19">
               <p14:nvContentPartPr>
                 <p14:cNvPr id="19" name="Ink 18">
@@ -8159,7 +8220,7 @@
               </p14:xfrm>
             </p:contentPart>
           </mc:Choice>
-          <mc:Fallback>
+          <mc:Fallback xmlns="">
             <p:pic>
               <p:nvPicPr>
                 <p:cNvPr id="19" name="Ink 18">
@@ -8190,8 +8251,8 @@
             </p:pic>
           </mc:Fallback>
         </mc:AlternateContent>
-        <mc:AlternateContent xmlns:mc="http://schemas.openxmlformats.org/markup-compatibility/2006">
-          <mc:Choice xmlns:p14="http://schemas.microsoft.com/office/powerpoint/2010/main" Requires="p14">
+        <mc:AlternateContent xmlns:mc="http://schemas.openxmlformats.org/markup-compatibility/2006" xmlns:p14="http://schemas.microsoft.com/office/powerpoint/2010/main">
+          <mc:Choice Requires="p14">
             <p:contentPart p14:bwMode="auto" r:id="rId21">
               <p14:nvContentPartPr>
                 <p14:cNvPr id="20" name="Ink 19">
@@ -8210,7 +8271,7 @@
               </p14:xfrm>
             </p:contentPart>
           </mc:Choice>
-          <mc:Fallback>
+          <mc:Fallback xmlns="">
             <p:pic>
               <p:nvPicPr>
                 <p:cNvPr id="20" name="Ink 19">
@@ -8241,8 +8302,8 @@
             </p:pic>
           </mc:Fallback>
         </mc:AlternateContent>
-        <mc:AlternateContent xmlns:mc="http://schemas.openxmlformats.org/markup-compatibility/2006">
-          <mc:Choice xmlns:p14="http://schemas.microsoft.com/office/powerpoint/2010/main" Requires="p14">
+        <mc:AlternateContent xmlns:mc="http://schemas.openxmlformats.org/markup-compatibility/2006" xmlns:p14="http://schemas.microsoft.com/office/powerpoint/2010/main">
+          <mc:Choice Requires="p14">
             <p:contentPart p14:bwMode="auto" r:id="rId23">
               <p14:nvContentPartPr>
                 <p14:cNvPr id="21" name="Ink 20">
@@ -8261,7 +8322,7 @@
               </p14:xfrm>
             </p:contentPart>
           </mc:Choice>
-          <mc:Fallback>
+          <mc:Fallback xmlns="">
             <p:pic>
               <p:nvPicPr>
                 <p:cNvPr id="21" name="Ink 20">
@@ -8292,8 +8353,8 @@
             </p:pic>
           </mc:Fallback>
         </mc:AlternateContent>
-        <mc:AlternateContent xmlns:mc="http://schemas.openxmlformats.org/markup-compatibility/2006">
-          <mc:Choice xmlns:p14="http://schemas.microsoft.com/office/powerpoint/2010/main" Requires="p14">
+        <mc:AlternateContent xmlns:mc="http://schemas.openxmlformats.org/markup-compatibility/2006" xmlns:p14="http://schemas.microsoft.com/office/powerpoint/2010/main">
+          <mc:Choice Requires="p14">
             <p:contentPart p14:bwMode="auto" r:id="rId25">
               <p14:nvContentPartPr>
                 <p14:cNvPr id="22" name="Ink 21">
@@ -8312,7 +8373,7 @@
               </p14:xfrm>
             </p:contentPart>
           </mc:Choice>
-          <mc:Fallback>
+          <mc:Fallback xmlns="">
             <p:pic>
               <p:nvPicPr>
                 <p:cNvPr id="22" name="Ink 21">
@@ -8343,8 +8404,8 @@
             </p:pic>
           </mc:Fallback>
         </mc:AlternateContent>
-        <mc:AlternateContent xmlns:mc="http://schemas.openxmlformats.org/markup-compatibility/2006">
-          <mc:Choice xmlns:p14="http://schemas.microsoft.com/office/powerpoint/2010/main" Requires="p14">
+        <mc:AlternateContent xmlns:mc="http://schemas.openxmlformats.org/markup-compatibility/2006" xmlns:p14="http://schemas.microsoft.com/office/powerpoint/2010/main">
+          <mc:Choice Requires="p14">
             <p:contentPart p14:bwMode="auto" r:id="rId27">
               <p14:nvContentPartPr>
                 <p14:cNvPr id="24" name="Ink 23">
@@ -8363,7 +8424,7 @@
               </p14:xfrm>
             </p:contentPart>
           </mc:Choice>
-          <mc:Fallback>
+          <mc:Fallback xmlns="">
             <p:pic>
               <p:nvPicPr>
                 <p:cNvPr id="24" name="Ink 23">
@@ -8394,8 +8455,8 @@
             </p:pic>
           </mc:Fallback>
         </mc:AlternateContent>
-        <mc:AlternateContent xmlns:mc="http://schemas.openxmlformats.org/markup-compatibility/2006">
-          <mc:Choice xmlns:p14="http://schemas.microsoft.com/office/powerpoint/2010/main" Requires="p14">
+        <mc:AlternateContent xmlns:mc="http://schemas.openxmlformats.org/markup-compatibility/2006" xmlns:p14="http://schemas.microsoft.com/office/powerpoint/2010/main">
+          <mc:Choice Requires="p14">
             <p:contentPart p14:bwMode="auto" r:id="rId29">
               <p14:nvContentPartPr>
                 <p14:cNvPr id="25" name="Ink 24">
@@ -8414,7 +8475,7 @@
               </p14:xfrm>
             </p:contentPart>
           </mc:Choice>
-          <mc:Fallback>
+          <mc:Fallback xmlns="">
             <p:pic>
               <p:nvPicPr>
                 <p:cNvPr id="25" name="Ink 24">
@@ -8446,8 +8507,8 @@
           </mc:Fallback>
         </mc:AlternateContent>
       </p:grpSp>
-      <mc:AlternateContent xmlns:mc="http://schemas.openxmlformats.org/markup-compatibility/2006">
-        <mc:Choice xmlns:p14="http://schemas.microsoft.com/office/powerpoint/2010/main" Requires="p14">
+      <mc:AlternateContent xmlns:mc="http://schemas.openxmlformats.org/markup-compatibility/2006" xmlns:p14="http://schemas.microsoft.com/office/powerpoint/2010/main">
+        <mc:Choice Requires="p14">
           <p:contentPart p14:bwMode="auto" r:id="rId31">
             <p14:nvContentPartPr>
               <p14:cNvPr id="27" name="Ink 26">
@@ -8466,7 +8527,7 @@
             </p14:xfrm>
           </p:contentPart>
         </mc:Choice>
-        <mc:Fallback>
+        <mc:Fallback xmlns="">
           <p:pic>
             <p:nvPicPr>
               <p:cNvPr id="27" name="Ink 26">
@@ -8802,8 +8863,8 @@
             <a:chExt cx="281160" cy="837720"/>
           </a:xfrm>
         </p:grpSpPr>
-        <mc:AlternateContent xmlns:mc="http://schemas.openxmlformats.org/markup-compatibility/2006">
-          <mc:Choice xmlns:p14="http://schemas.microsoft.com/office/powerpoint/2010/main" Requires="p14">
+        <mc:AlternateContent xmlns:mc="http://schemas.openxmlformats.org/markup-compatibility/2006" xmlns:p14="http://schemas.microsoft.com/office/powerpoint/2010/main">
+          <mc:Choice Requires="p14">
             <p:contentPart p14:bwMode="auto" r:id="rId3">
               <p14:nvContentPartPr>
                 <p14:cNvPr id="19" name="Ink 18">
@@ -8822,7 +8883,7 @@
               </p14:xfrm>
             </p:contentPart>
           </mc:Choice>
-          <mc:Fallback>
+          <mc:Fallback xmlns="">
             <p:pic>
               <p:nvPicPr>
                 <p:cNvPr id="19" name="Ink 18">
@@ -8853,8 +8914,8 @@
             </p:pic>
           </mc:Fallback>
         </mc:AlternateContent>
-        <mc:AlternateContent xmlns:mc="http://schemas.openxmlformats.org/markup-compatibility/2006">
-          <mc:Choice xmlns:p14="http://schemas.microsoft.com/office/powerpoint/2010/main" Requires="p14">
+        <mc:AlternateContent xmlns:mc="http://schemas.openxmlformats.org/markup-compatibility/2006" xmlns:p14="http://schemas.microsoft.com/office/powerpoint/2010/main">
+          <mc:Choice Requires="p14">
             <p:contentPart p14:bwMode="auto" r:id="rId5">
               <p14:nvContentPartPr>
                 <p14:cNvPr id="20" name="Ink 19">
@@ -8873,7 +8934,7 @@
               </p14:xfrm>
             </p:contentPart>
           </mc:Choice>
-          <mc:Fallback>
+          <mc:Fallback xmlns="">
             <p:pic>
               <p:nvPicPr>
                 <p:cNvPr id="20" name="Ink 19">
@@ -8904,8 +8965,8 @@
             </p:pic>
           </mc:Fallback>
         </mc:AlternateContent>
-        <mc:AlternateContent xmlns:mc="http://schemas.openxmlformats.org/markup-compatibility/2006">
-          <mc:Choice xmlns:p14="http://schemas.microsoft.com/office/powerpoint/2010/main" Requires="p14">
+        <mc:AlternateContent xmlns:mc="http://schemas.openxmlformats.org/markup-compatibility/2006" xmlns:p14="http://schemas.microsoft.com/office/powerpoint/2010/main">
+          <mc:Choice Requires="p14">
             <p:contentPart p14:bwMode="auto" r:id="rId7">
               <p14:nvContentPartPr>
                 <p14:cNvPr id="21" name="Ink 20">
@@ -8924,7 +8985,7 @@
               </p14:xfrm>
             </p:contentPart>
           </mc:Choice>
-          <mc:Fallback>
+          <mc:Fallback xmlns="">
             <p:pic>
               <p:nvPicPr>
                 <p:cNvPr id="21" name="Ink 20">
@@ -8955,8 +9016,8 @@
             </p:pic>
           </mc:Fallback>
         </mc:AlternateContent>
-        <mc:AlternateContent xmlns:mc="http://schemas.openxmlformats.org/markup-compatibility/2006">
-          <mc:Choice xmlns:p14="http://schemas.microsoft.com/office/powerpoint/2010/main" Requires="p14">
+        <mc:AlternateContent xmlns:mc="http://schemas.openxmlformats.org/markup-compatibility/2006" xmlns:p14="http://schemas.microsoft.com/office/powerpoint/2010/main">
+          <mc:Choice Requires="p14">
             <p:contentPart p14:bwMode="auto" r:id="rId9">
               <p14:nvContentPartPr>
                 <p14:cNvPr id="22" name="Ink 21">
@@ -8975,7 +9036,7 @@
               </p14:xfrm>
             </p:contentPart>
           </mc:Choice>
-          <mc:Fallback>
+          <mc:Fallback xmlns="">
             <p:pic>
               <p:nvPicPr>
                 <p:cNvPr id="22" name="Ink 21">
@@ -9006,8 +9067,8 @@
             </p:pic>
           </mc:Fallback>
         </mc:AlternateContent>
-        <mc:AlternateContent xmlns:mc="http://schemas.openxmlformats.org/markup-compatibility/2006">
-          <mc:Choice xmlns:p14="http://schemas.microsoft.com/office/powerpoint/2010/main" Requires="p14">
+        <mc:AlternateContent xmlns:mc="http://schemas.openxmlformats.org/markup-compatibility/2006" xmlns:p14="http://schemas.microsoft.com/office/powerpoint/2010/main">
+          <mc:Choice Requires="p14">
             <p:contentPart p14:bwMode="auto" r:id="rId11">
               <p14:nvContentPartPr>
                 <p14:cNvPr id="24" name="Ink 23">
@@ -9026,7 +9087,7 @@
               </p14:xfrm>
             </p:contentPart>
           </mc:Choice>
-          <mc:Fallback>
+          <mc:Fallback xmlns="">
             <p:pic>
               <p:nvPicPr>
                 <p:cNvPr id="24" name="Ink 23">
@@ -9057,8 +9118,8 @@
             </p:pic>
           </mc:Fallback>
         </mc:AlternateContent>
-        <mc:AlternateContent xmlns:mc="http://schemas.openxmlformats.org/markup-compatibility/2006">
-          <mc:Choice xmlns:p14="http://schemas.microsoft.com/office/powerpoint/2010/main" Requires="p14">
+        <mc:AlternateContent xmlns:mc="http://schemas.openxmlformats.org/markup-compatibility/2006" xmlns:p14="http://schemas.microsoft.com/office/powerpoint/2010/main">
+          <mc:Choice Requires="p14">
             <p:contentPart p14:bwMode="auto" r:id="rId13">
               <p14:nvContentPartPr>
                 <p14:cNvPr id="25" name="Ink 24">
@@ -9077,7 +9138,7 @@
               </p14:xfrm>
             </p:contentPart>
           </mc:Choice>
-          <mc:Fallback>
+          <mc:Fallback xmlns="">
             <p:pic>
               <p:nvPicPr>
                 <p:cNvPr id="25" name="Ink 24">
@@ -9178,8 +9239,8 @@
             <a:chExt cx="1800000" cy="2052360"/>
           </a:xfrm>
         </p:grpSpPr>
-        <mc:AlternateContent xmlns:mc="http://schemas.openxmlformats.org/markup-compatibility/2006">
-          <mc:Choice xmlns:p14="http://schemas.microsoft.com/office/powerpoint/2010/main" Requires="p14">
+        <mc:AlternateContent xmlns:mc="http://schemas.openxmlformats.org/markup-compatibility/2006" xmlns:p14="http://schemas.microsoft.com/office/powerpoint/2010/main">
+          <mc:Choice Requires="p14">
             <p:contentPart p14:bwMode="auto" r:id="rId15">
               <p14:nvContentPartPr>
                 <p14:cNvPr id="3" name="Ink 2">
@@ -9198,7 +9259,7 @@
               </p14:xfrm>
             </p:contentPart>
           </mc:Choice>
-          <mc:Fallback>
+          <mc:Fallback xmlns="">
             <p:pic>
               <p:nvPicPr>
                 <p:cNvPr id="3" name="Ink 2">
@@ -9229,8 +9290,8 @@
             </p:pic>
           </mc:Fallback>
         </mc:AlternateContent>
-        <mc:AlternateContent xmlns:mc="http://schemas.openxmlformats.org/markup-compatibility/2006">
-          <mc:Choice xmlns:p14="http://schemas.microsoft.com/office/powerpoint/2010/main" Requires="p14">
+        <mc:AlternateContent xmlns:mc="http://schemas.openxmlformats.org/markup-compatibility/2006" xmlns:p14="http://schemas.microsoft.com/office/powerpoint/2010/main">
+          <mc:Choice Requires="p14">
             <p:contentPart p14:bwMode="auto" r:id="rId17">
               <p14:nvContentPartPr>
                 <p14:cNvPr id="4" name="Ink 3">
@@ -9249,7 +9310,7 @@
               </p14:xfrm>
             </p:contentPart>
           </mc:Choice>
-          <mc:Fallback>
+          <mc:Fallback xmlns="">
             <p:pic>
               <p:nvPicPr>
                 <p:cNvPr id="4" name="Ink 3">
@@ -9280,8 +9341,8 @@
             </p:pic>
           </mc:Fallback>
         </mc:AlternateContent>
-        <mc:AlternateContent xmlns:mc="http://schemas.openxmlformats.org/markup-compatibility/2006">
-          <mc:Choice xmlns:p14="http://schemas.microsoft.com/office/powerpoint/2010/main" Requires="p14">
+        <mc:AlternateContent xmlns:mc="http://schemas.openxmlformats.org/markup-compatibility/2006" xmlns:p14="http://schemas.microsoft.com/office/powerpoint/2010/main">
+          <mc:Choice Requires="p14">
             <p:contentPart p14:bwMode="auto" r:id="rId19">
               <p14:nvContentPartPr>
                 <p14:cNvPr id="6" name="Ink 5">
@@ -9300,7 +9361,7 @@
               </p14:xfrm>
             </p:contentPart>
           </mc:Choice>
-          <mc:Fallback>
+          <mc:Fallback xmlns="">
             <p:pic>
               <p:nvPicPr>
                 <p:cNvPr id="6" name="Ink 5">
@@ -9331,8 +9392,8 @@
             </p:pic>
           </mc:Fallback>
         </mc:AlternateContent>
-        <mc:AlternateContent xmlns:mc="http://schemas.openxmlformats.org/markup-compatibility/2006">
-          <mc:Choice xmlns:p14="http://schemas.microsoft.com/office/powerpoint/2010/main" Requires="p14">
+        <mc:AlternateContent xmlns:mc="http://schemas.openxmlformats.org/markup-compatibility/2006" xmlns:p14="http://schemas.microsoft.com/office/powerpoint/2010/main">
+          <mc:Choice Requires="p14">
             <p:contentPart p14:bwMode="auto" r:id="rId21">
               <p14:nvContentPartPr>
                 <p14:cNvPr id="7" name="Ink 6">
@@ -9351,7 +9412,7 @@
               </p14:xfrm>
             </p:contentPart>
           </mc:Choice>
-          <mc:Fallback>
+          <mc:Fallback xmlns="">
             <p:pic>
               <p:nvPicPr>
                 <p:cNvPr id="7" name="Ink 6">
@@ -9382,8 +9443,8 @@
             </p:pic>
           </mc:Fallback>
         </mc:AlternateContent>
-        <mc:AlternateContent xmlns:mc="http://schemas.openxmlformats.org/markup-compatibility/2006">
-          <mc:Choice xmlns:p14="http://schemas.microsoft.com/office/powerpoint/2010/main" Requires="p14">
+        <mc:AlternateContent xmlns:mc="http://schemas.openxmlformats.org/markup-compatibility/2006" xmlns:p14="http://schemas.microsoft.com/office/powerpoint/2010/main">
+          <mc:Choice Requires="p14">
             <p:contentPart p14:bwMode="auto" r:id="rId23">
               <p14:nvContentPartPr>
                 <p14:cNvPr id="8" name="Ink 7">
@@ -9402,7 +9463,7 @@
               </p14:xfrm>
             </p:contentPart>
           </mc:Choice>
-          <mc:Fallback>
+          <mc:Fallback xmlns="">
             <p:pic>
               <p:nvPicPr>
                 <p:cNvPr id="8" name="Ink 7">
@@ -9433,8 +9494,8 @@
             </p:pic>
           </mc:Fallback>
         </mc:AlternateContent>
-        <mc:AlternateContent xmlns:mc="http://schemas.openxmlformats.org/markup-compatibility/2006">
-          <mc:Choice xmlns:p14="http://schemas.microsoft.com/office/powerpoint/2010/main" Requires="p14">
+        <mc:AlternateContent xmlns:mc="http://schemas.openxmlformats.org/markup-compatibility/2006" xmlns:p14="http://schemas.microsoft.com/office/powerpoint/2010/main">
+          <mc:Choice Requires="p14">
             <p:contentPart p14:bwMode="auto" r:id="rId25">
               <p14:nvContentPartPr>
                 <p14:cNvPr id="9" name="Ink 8">
@@ -9453,7 +9514,7 @@
               </p14:xfrm>
             </p:contentPart>
           </mc:Choice>
-          <mc:Fallback>
+          <mc:Fallback xmlns="">
             <p:pic>
               <p:nvPicPr>
                 <p:cNvPr id="9" name="Ink 8">
@@ -9484,8 +9545,8 @@
             </p:pic>
           </mc:Fallback>
         </mc:AlternateContent>
-        <mc:AlternateContent xmlns:mc="http://schemas.openxmlformats.org/markup-compatibility/2006">
-          <mc:Choice xmlns:p14="http://schemas.microsoft.com/office/powerpoint/2010/main" Requires="p14">
+        <mc:AlternateContent xmlns:mc="http://schemas.openxmlformats.org/markup-compatibility/2006" xmlns:p14="http://schemas.microsoft.com/office/powerpoint/2010/main">
+          <mc:Choice Requires="p14">
             <p:contentPart p14:bwMode="auto" r:id="rId27">
               <p14:nvContentPartPr>
                 <p14:cNvPr id="10" name="Ink 9">
@@ -9504,7 +9565,7 @@
               </p14:xfrm>
             </p:contentPart>
           </mc:Choice>
-          <mc:Fallback>
+          <mc:Fallback xmlns="">
             <p:pic>
               <p:nvPicPr>
                 <p:cNvPr id="10" name="Ink 9">
@@ -9535,8 +9596,8 @@
             </p:pic>
           </mc:Fallback>
         </mc:AlternateContent>
-        <mc:AlternateContent xmlns:mc="http://schemas.openxmlformats.org/markup-compatibility/2006">
-          <mc:Choice xmlns:p14="http://schemas.microsoft.com/office/powerpoint/2010/main" Requires="p14">
+        <mc:AlternateContent xmlns:mc="http://schemas.openxmlformats.org/markup-compatibility/2006" xmlns:p14="http://schemas.microsoft.com/office/powerpoint/2010/main">
+          <mc:Choice Requires="p14">
             <p:contentPart p14:bwMode="auto" r:id="rId29">
               <p14:nvContentPartPr>
                 <p14:cNvPr id="23" name="Ink 22">
@@ -9555,7 +9616,7 @@
               </p14:xfrm>
             </p:contentPart>
           </mc:Choice>
-          <mc:Fallback>
+          <mc:Fallback xmlns="">
             <p:pic>
               <p:nvPicPr>
                 <p:cNvPr id="23" name="Ink 22">
@@ -9586,8 +9647,8 @@
             </p:pic>
           </mc:Fallback>
         </mc:AlternateContent>
-        <mc:AlternateContent xmlns:mc="http://schemas.openxmlformats.org/markup-compatibility/2006">
-          <mc:Choice xmlns:p14="http://schemas.microsoft.com/office/powerpoint/2010/main" Requires="p14">
+        <mc:AlternateContent xmlns:mc="http://schemas.openxmlformats.org/markup-compatibility/2006" xmlns:p14="http://schemas.microsoft.com/office/powerpoint/2010/main">
+          <mc:Choice Requires="p14">
             <p:contentPart p14:bwMode="auto" r:id="rId31">
               <p14:nvContentPartPr>
                 <p14:cNvPr id="28" name="Ink 27">
@@ -9606,7 +9667,7 @@
               </p14:xfrm>
             </p:contentPart>
           </mc:Choice>
-          <mc:Fallback>
+          <mc:Fallback xmlns="">
             <p:pic>
               <p:nvPicPr>
                 <p:cNvPr id="28" name="Ink 27">
@@ -9637,8 +9698,8 @@
             </p:pic>
           </mc:Fallback>
         </mc:AlternateContent>
-        <mc:AlternateContent xmlns:mc="http://schemas.openxmlformats.org/markup-compatibility/2006">
-          <mc:Choice xmlns:p14="http://schemas.microsoft.com/office/powerpoint/2010/main" Requires="p14">
+        <mc:AlternateContent xmlns:mc="http://schemas.openxmlformats.org/markup-compatibility/2006" xmlns:p14="http://schemas.microsoft.com/office/powerpoint/2010/main">
+          <mc:Choice Requires="p14">
             <p:contentPart p14:bwMode="auto" r:id="rId33">
               <p14:nvContentPartPr>
                 <p14:cNvPr id="29" name="Ink 28">
@@ -9657,7 +9718,7 @@
               </p14:xfrm>
             </p:contentPart>
           </mc:Choice>
-          <mc:Fallback>
+          <mc:Fallback xmlns="">
             <p:pic>
               <p:nvPicPr>
                 <p:cNvPr id="29" name="Ink 28">
@@ -9688,8 +9749,8 @@
             </p:pic>
           </mc:Fallback>
         </mc:AlternateContent>
-        <mc:AlternateContent xmlns:mc="http://schemas.openxmlformats.org/markup-compatibility/2006">
-          <mc:Choice xmlns:p14="http://schemas.microsoft.com/office/powerpoint/2010/main" Requires="p14">
+        <mc:AlternateContent xmlns:mc="http://schemas.openxmlformats.org/markup-compatibility/2006" xmlns:p14="http://schemas.microsoft.com/office/powerpoint/2010/main">
+          <mc:Choice Requires="p14">
             <p:contentPart p14:bwMode="auto" r:id="rId35">
               <p14:nvContentPartPr>
                 <p14:cNvPr id="32" name="Ink 31">
@@ -9708,7 +9769,7 @@
               </p14:xfrm>
             </p:contentPart>
           </mc:Choice>
-          <mc:Fallback>
+          <mc:Fallback xmlns="">
             <p:pic>
               <p:nvPicPr>
                 <p:cNvPr id="32" name="Ink 31">
@@ -9739,8 +9800,8 @@
             </p:pic>
           </mc:Fallback>
         </mc:AlternateContent>
-        <mc:AlternateContent xmlns:mc="http://schemas.openxmlformats.org/markup-compatibility/2006">
-          <mc:Choice xmlns:p14="http://schemas.microsoft.com/office/powerpoint/2010/main" Requires="p14">
+        <mc:AlternateContent xmlns:mc="http://schemas.openxmlformats.org/markup-compatibility/2006" xmlns:p14="http://schemas.microsoft.com/office/powerpoint/2010/main">
+          <mc:Choice Requires="p14">
             <p:contentPart p14:bwMode="auto" r:id="rId37">
               <p14:nvContentPartPr>
                 <p14:cNvPr id="33" name="Ink 32">
@@ -9759,7 +9820,7 @@
               </p14:xfrm>
             </p:contentPart>
           </mc:Choice>
-          <mc:Fallback>
+          <mc:Fallback xmlns="">
             <p:pic>
               <p:nvPicPr>
                 <p:cNvPr id="33" name="Ink 32">
@@ -9790,8 +9851,8 @@
             </p:pic>
           </mc:Fallback>
         </mc:AlternateContent>
-        <mc:AlternateContent xmlns:mc="http://schemas.openxmlformats.org/markup-compatibility/2006">
-          <mc:Choice xmlns:p14="http://schemas.microsoft.com/office/powerpoint/2010/main" Requires="p14">
+        <mc:AlternateContent xmlns:mc="http://schemas.openxmlformats.org/markup-compatibility/2006" xmlns:p14="http://schemas.microsoft.com/office/powerpoint/2010/main">
+          <mc:Choice Requires="p14">
             <p:contentPart p14:bwMode="auto" r:id="rId39">
               <p14:nvContentPartPr>
                 <p14:cNvPr id="39" name="Ink 38">
@@ -9810,7 +9871,7 @@
               </p14:xfrm>
             </p:contentPart>
           </mc:Choice>
-          <mc:Fallback>
+          <mc:Fallback xmlns="">
             <p:pic>
               <p:nvPicPr>
                 <p:cNvPr id="39" name="Ink 38">
@@ -9841,8 +9902,8 @@
             </p:pic>
           </mc:Fallback>
         </mc:AlternateContent>
-        <mc:AlternateContent xmlns:mc="http://schemas.openxmlformats.org/markup-compatibility/2006">
-          <mc:Choice xmlns:p14="http://schemas.microsoft.com/office/powerpoint/2010/main" Requires="p14">
+        <mc:AlternateContent xmlns:mc="http://schemas.openxmlformats.org/markup-compatibility/2006" xmlns:p14="http://schemas.microsoft.com/office/powerpoint/2010/main">
+          <mc:Choice Requires="p14">
             <p:contentPart p14:bwMode="auto" r:id="rId41">
               <p14:nvContentPartPr>
                 <p14:cNvPr id="40" name="Ink 39">
@@ -9861,7 +9922,7 @@
               </p14:xfrm>
             </p:contentPart>
           </mc:Choice>
-          <mc:Fallback>
+          <mc:Fallback xmlns="">
             <p:pic>
               <p:nvPicPr>
                 <p:cNvPr id="40" name="Ink 39">
@@ -9892,8 +9953,8 @@
             </p:pic>
           </mc:Fallback>
         </mc:AlternateContent>
-        <mc:AlternateContent xmlns:mc="http://schemas.openxmlformats.org/markup-compatibility/2006">
-          <mc:Choice xmlns:p14="http://schemas.microsoft.com/office/powerpoint/2010/main" Requires="p14">
+        <mc:AlternateContent xmlns:mc="http://schemas.openxmlformats.org/markup-compatibility/2006" xmlns:p14="http://schemas.microsoft.com/office/powerpoint/2010/main">
+          <mc:Choice Requires="p14">
             <p:contentPart p14:bwMode="auto" r:id="rId43">
               <p14:nvContentPartPr>
                 <p14:cNvPr id="41" name="Ink 40">
@@ -9912,7 +9973,7 @@
               </p14:xfrm>
             </p:contentPart>
           </mc:Choice>
-          <mc:Fallback>
+          <mc:Fallback xmlns="">
             <p:pic>
               <p:nvPicPr>
                 <p:cNvPr id="41" name="Ink 40">
@@ -9943,8 +10004,8 @@
             </p:pic>
           </mc:Fallback>
         </mc:AlternateContent>
-        <mc:AlternateContent xmlns:mc="http://schemas.openxmlformats.org/markup-compatibility/2006">
-          <mc:Choice xmlns:p14="http://schemas.microsoft.com/office/powerpoint/2010/main" Requires="p14">
+        <mc:AlternateContent xmlns:mc="http://schemas.openxmlformats.org/markup-compatibility/2006" xmlns:p14="http://schemas.microsoft.com/office/powerpoint/2010/main">
+          <mc:Choice Requires="p14">
             <p:contentPart p14:bwMode="auto" r:id="rId45">
               <p14:nvContentPartPr>
                 <p14:cNvPr id="42" name="Ink 41">
@@ -9963,7 +10024,7 @@
               </p14:xfrm>
             </p:contentPart>
           </mc:Choice>
-          <mc:Fallback>
+          <mc:Fallback xmlns="">
             <p:pic>
               <p:nvPicPr>
                 <p:cNvPr id="42" name="Ink 41">
@@ -9994,8 +10055,8 @@
             </p:pic>
           </mc:Fallback>
         </mc:AlternateContent>
-        <mc:AlternateContent xmlns:mc="http://schemas.openxmlformats.org/markup-compatibility/2006">
-          <mc:Choice xmlns:p14="http://schemas.microsoft.com/office/powerpoint/2010/main" Requires="p14">
+        <mc:AlternateContent xmlns:mc="http://schemas.openxmlformats.org/markup-compatibility/2006" xmlns:p14="http://schemas.microsoft.com/office/powerpoint/2010/main">
+          <mc:Choice Requires="p14">
             <p:contentPart p14:bwMode="auto" r:id="rId47">
               <p14:nvContentPartPr>
                 <p14:cNvPr id="43" name="Ink 42">
@@ -10014,7 +10075,7 @@
               </p14:xfrm>
             </p:contentPart>
           </mc:Choice>
-          <mc:Fallback>
+          <mc:Fallback xmlns="">
             <p:pic>
               <p:nvPicPr>
                 <p:cNvPr id="43" name="Ink 42">
@@ -10364,8 +10425,8 @@
           </a:p>
         </p:txBody>
       </p:sp>
-      <mc:AlternateContent xmlns:mc="http://schemas.openxmlformats.org/markup-compatibility/2006">
-        <mc:Choice xmlns:p14="http://schemas.microsoft.com/office/powerpoint/2010/main" Requires="p14">
+      <mc:AlternateContent xmlns:mc="http://schemas.openxmlformats.org/markup-compatibility/2006" xmlns:p14="http://schemas.microsoft.com/office/powerpoint/2010/main">
+        <mc:Choice Requires="p14">
           <p:contentPart p14:bwMode="auto" r:id="rId3">
             <p14:nvContentPartPr>
               <p14:cNvPr id="11" name="Ink 10">
@@ -10384,7 +10445,7 @@
             </p14:xfrm>
           </p:contentPart>
         </mc:Choice>
-        <mc:Fallback>
+        <mc:Fallback xmlns="">
           <p:pic>
             <p:nvPicPr>
               <p:cNvPr id="11" name="Ink 10">
@@ -10415,8 +10476,8 @@
           </p:pic>
         </mc:Fallback>
       </mc:AlternateContent>
-      <mc:AlternateContent xmlns:mc="http://schemas.openxmlformats.org/markup-compatibility/2006">
-        <mc:Choice xmlns:p14="http://schemas.microsoft.com/office/powerpoint/2010/main" Requires="p14">
+      <mc:AlternateContent xmlns:mc="http://schemas.openxmlformats.org/markup-compatibility/2006" xmlns:p14="http://schemas.microsoft.com/office/powerpoint/2010/main">
+        <mc:Choice Requires="p14">
           <p:contentPart p14:bwMode="auto" r:id="rId5">
             <p14:nvContentPartPr>
               <p14:cNvPr id="12" name="Ink 11">
@@ -10435,7 +10496,7 @@
             </p14:xfrm>
           </p:contentPart>
         </mc:Choice>
-        <mc:Fallback>
+        <mc:Fallback xmlns="">
           <p:pic>
             <p:nvPicPr>
               <p:cNvPr id="12" name="Ink 11">
@@ -10466,8 +10527,8 @@
           </p:pic>
         </mc:Fallback>
       </mc:AlternateContent>
-      <mc:AlternateContent xmlns:mc="http://schemas.openxmlformats.org/markup-compatibility/2006">
-        <mc:Choice xmlns:p14="http://schemas.microsoft.com/office/powerpoint/2010/main" Requires="p14">
+      <mc:AlternateContent xmlns:mc="http://schemas.openxmlformats.org/markup-compatibility/2006" xmlns:p14="http://schemas.microsoft.com/office/powerpoint/2010/main">
+        <mc:Choice Requires="p14">
           <p:contentPart p14:bwMode="auto" r:id="rId7">
             <p14:nvContentPartPr>
               <p14:cNvPr id="13" name="Ink 12">
@@ -10486,7 +10547,7 @@
             </p14:xfrm>
           </p:contentPart>
         </mc:Choice>
-        <mc:Fallback>
+        <mc:Fallback xmlns="">
           <p:pic>
             <p:nvPicPr>
               <p:cNvPr id="13" name="Ink 12">
@@ -10517,8 +10578,8 @@
           </p:pic>
         </mc:Fallback>
       </mc:AlternateContent>
-      <mc:AlternateContent xmlns:mc="http://schemas.openxmlformats.org/markup-compatibility/2006">
-        <mc:Choice xmlns:p14="http://schemas.microsoft.com/office/powerpoint/2010/main" Requires="p14">
+      <mc:AlternateContent xmlns:mc="http://schemas.openxmlformats.org/markup-compatibility/2006" xmlns:p14="http://schemas.microsoft.com/office/powerpoint/2010/main">
+        <mc:Choice Requires="p14">
           <p:contentPart p14:bwMode="auto" r:id="rId9">
             <p14:nvContentPartPr>
               <p14:cNvPr id="14" name="Ink 13">
@@ -10537,7 +10598,7 @@
             </p14:xfrm>
           </p:contentPart>
         </mc:Choice>
-        <mc:Fallback>
+        <mc:Fallback xmlns="">
           <p:pic>
             <p:nvPicPr>
               <p:cNvPr id="14" name="Ink 13">
@@ -10568,8 +10629,8 @@
           </p:pic>
         </mc:Fallback>
       </mc:AlternateContent>
-      <mc:AlternateContent xmlns:mc="http://schemas.openxmlformats.org/markup-compatibility/2006">
-        <mc:Choice xmlns:p14="http://schemas.microsoft.com/office/powerpoint/2010/main" Requires="p14">
+      <mc:AlternateContent xmlns:mc="http://schemas.openxmlformats.org/markup-compatibility/2006" xmlns:p14="http://schemas.microsoft.com/office/powerpoint/2010/main">
+        <mc:Choice Requires="p14">
           <p:contentPart p14:bwMode="auto" r:id="rId11">
             <p14:nvContentPartPr>
               <p14:cNvPr id="15" name="Ink 14">
@@ -10588,7 +10649,7 @@
             </p14:xfrm>
           </p:contentPart>
         </mc:Choice>
-        <mc:Fallback>
+        <mc:Fallback xmlns="">
           <p:pic>
             <p:nvPicPr>
               <p:cNvPr id="15" name="Ink 14">
@@ -10619,8 +10680,8 @@
           </p:pic>
         </mc:Fallback>
       </mc:AlternateContent>
-      <mc:AlternateContent xmlns:mc="http://schemas.openxmlformats.org/markup-compatibility/2006">
-        <mc:Choice xmlns:p14="http://schemas.microsoft.com/office/powerpoint/2010/main" Requires="p14">
+      <mc:AlternateContent xmlns:mc="http://schemas.openxmlformats.org/markup-compatibility/2006" xmlns:p14="http://schemas.microsoft.com/office/powerpoint/2010/main">
+        <mc:Choice Requires="p14">
           <p:contentPart p14:bwMode="auto" r:id="rId13">
             <p14:nvContentPartPr>
               <p14:cNvPr id="16" name="Ink 15">
@@ -10639,7 +10700,7 @@
             </p14:xfrm>
           </p:contentPart>
         </mc:Choice>
-        <mc:Fallback>
+        <mc:Fallback xmlns="">
           <p:pic>
             <p:nvPicPr>
               <p:cNvPr id="16" name="Ink 15">
@@ -10670,8 +10731,8 @@
           </p:pic>
         </mc:Fallback>
       </mc:AlternateContent>
-      <mc:AlternateContent xmlns:mc="http://schemas.openxmlformats.org/markup-compatibility/2006">
-        <mc:Choice xmlns:p14="http://schemas.microsoft.com/office/powerpoint/2010/main" Requires="p14">
+      <mc:AlternateContent xmlns:mc="http://schemas.openxmlformats.org/markup-compatibility/2006" xmlns:p14="http://schemas.microsoft.com/office/powerpoint/2010/main">
+        <mc:Choice Requires="p14">
           <p:contentPart p14:bwMode="auto" r:id="rId15">
             <p14:nvContentPartPr>
               <p14:cNvPr id="17" name="Ink 16">
@@ -10690,7 +10751,7 @@
             </p14:xfrm>
           </p:contentPart>
         </mc:Choice>
-        <mc:Fallback>
+        <mc:Fallback xmlns="">
           <p:pic>
             <p:nvPicPr>
               <p:cNvPr id="17" name="Ink 16">
@@ -10721,8 +10782,8 @@
           </p:pic>
         </mc:Fallback>
       </mc:AlternateContent>
-      <mc:AlternateContent xmlns:mc="http://schemas.openxmlformats.org/markup-compatibility/2006">
-        <mc:Choice xmlns:p14="http://schemas.microsoft.com/office/powerpoint/2010/main" Requires="p14">
+      <mc:AlternateContent xmlns:mc="http://schemas.openxmlformats.org/markup-compatibility/2006" xmlns:p14="http://schemas.microsoft.com/office/powerpoint/2010/main">
+        <mc:Choice Requires="p14">
           <p:contentPart p14:bwMode="auto" r:id="rId17">
             <p14:nvContentPartPr>
               <p14:cNvPr id="18" name="Ink 17">
@@ -10741,7 +10802,7 @@
             </p14:xfrm>
           </p:contentPart>
         </mc:Choice>
-        <mc:Fallback>
+        <mc:Fallback xmlns="">
           <p:pic>
             <p:nvPicPr>
               <p:cNvPr id="18" name="Ink 17">
@@ -10772,8 +10833,8 @@
           </p:pic>
         </mc:Fallback>
       </mc:AlternateContent>
-      <mc:AlternateContent xmlns:mc="http://schemas.openxmlformats.org/markup-compatibility/2006">
-        <mc:Choice xmlns:p14="http://schemas.microsoft.com/office/powerpoint/2010/main" Requires="p14">
+      <mc:AlternateContent xmlns:mc="http://schemas.openxmlformats.org/markup-compatibility/2006" xmlns:p14="http://schemas.microsoft.com/office/powerpoint/2010/main">
+        <mc:Choice Requires="p14">
           <p:contentPart p14:bwMode="auto" r:id="rId19">
             <p14:nvContentPartPr>
               <p14:cNvPr id="27" name="Ink 26">
@@ -10792,7 +10853,7 @@
             </p14:xfrm>
           </p:contentPart>
         </mc:Choice>
-        <mc:Fallback>
+        <mc:Fallback xmlns="">
           <p:pic>
             <p:nvPicPr>
               <p:cNvPr id="27" name="Ink 26">
@@ -10986,8 +11047,8 @@
           </a:p>
         </p:txBody>
       </p:sp>
-      <mc:AlternateContent xmlns:mc="http://schemas.openxmlformats.org/markup-compatibility/2006">
-        <mc:Choice xmlns:p14="http://schemas.microsoft.com/office/powerpoint/2010/main" Requires="p14">
+      <mc:AlternateContent xmlns:mc="http://schemas.openxmlformats.org/markup-compatibility/2006" xmlns:p14="http://schemas.microsoft.com/office/powerpoint/2010/main">
+        <mc:Choice Requires="p14">
           <p:contentPart p14:bwMode="auto" r:id="rId23">
             <p14:nvContentPartPr>
               <p14:cNvPr id="32" name="Ink 31">
@@ -11006,7 +11067,7 @@
             </p14:xfrm>
           </p:contentPart>
         </mc:Choice>
-        <mc:Fallback>
+        <mc:Fallback xmlns="">
           <p:pic>
             <p:nvPicPr>
               <p:cNvPr id="32" name="Ink 31">
@@ -11037,8 +11098,8 @@
           </p:pic>
         </mc:Fallback>
       </mc:AlternateContent>
-      <mc:AlternateContent xmlns:mc="http://schemas.openxmlformats.org/markup-compatibility/2006">
-        <mc:Choice xmlns:p14="http://schemas.microsoft.com/office/powerpoint/2010/main" Requires="p14">
+      <mc:AlternateContent xmlns:mc="http://schemas.openxmlformats.org/markup-compatibility/2006" xmlns:p14="http://schemas.microsoft.com/office/powerpoint/2010/main">
+        <mc:Choice Requires="p14">
           <p:contentPart p14:bwMode="auto" r:id="rId24">
             <p14:nvContentPartPr>
               <p14:cNvPr id="33" name="Ink 32">
@@ -11057,7 +11118,7 @@
             </p14:xfrm>
           </p:contentPart>
         </mc:Choice>
-        <mc:Fallback>
+        <mc:Fallback xmlns="">
           <p:pic>
             <p:nvPicPr>
               <p:cNvPr id="33" name="Ink 32">
@@ -11088,8 +11149,8 @@
           </p:pic>
         </mc:Fallback>
       </mc:AlternateContent>
-      <mc:AlternateContent xmlns:mc="http://schemas.openxmlformats.org/markup-compatibility/2006">
-        <mc:Choice xmlns:p14="http://schemas.microsoft.com/office/powerpoint/2010/main" Requires="p14">
+      <mc:AlternateContent xmlns:mc="http://schemas.openxmlformats.org/markup-compatibility/2006" xmlns:p14="http://schemas.microsoft.com/office/powerpoint/2010/main">
+        <mc:Choice Requires="p14">
           <p:contentPart p14:bwMode="auto" r:id="rId25">
             <p14:nvContentPartPr>
               <p14:cNvPr id="39" name="Ink 38">
@@ -11108,7 +11169,7 @@
             </p14:xfrm>
           </p:contentPart>
         </mc:Choice>
-        <mc:Fallback>
+        <mc:Fallback xmlns="">
           <p:pic>
             <p:nvPicPr>
               <p:cNvPr id="39" name="Ink 38">
@@ -11139,8 +11200,8 @@
           </p:pic>
         </mc:Fallback>
       </mc:AlternateContent>
-      <mc:AlternateContent xmlns:mc="http://schemas.openxmlformats.org/markup-compatibility/2006">
-        <mc:Choice xmlns:p14="http://schemas.microsoft.com/office/powerpoint/2010/main" Requires="p14">
+      <mc:AlternateContent xmlns:mc="http://schemas.openxmlformats.org/markup-compatibility/2006" xmlns:p14="http://schemas.microsoft.com/office/powerpoint/2010/main">
+        <mc:Choice Requires="p14">
           <p:contentPart p14:bwMode="auto" r:id="rId26">
             <p14:nvContentPartPr>
               <p14:cNvPr id="40" name="Ink 39">
@@ -11159,7 +11220,7 @@
             </p14:xfrm>
           </p:contentPart>
         </mc:Choice>
-        <mc:Fallback>
+        <mc:Fallback xmlns="">
           <p:pic>
             <p:nvPicPr>
               <p:cNvPr id="40" name="Ink 39">
@@ -11190,8 +11251,8 @@
           </p:pic>
         </mc:Fallback>
       </mc:AlternateContent>
-      <mc:AlternateContent xmlns:mc="http://schemas.openxmlformats.org/markup-compatibility/2006">
-        <mc:Choice xmlns:p14="http://schemas.microsoft.com/office/powerpoint/2010/main" Requires="p14">
+      <mc:AlternateContent xmlns:mc="http://schemas.openxmlformats.org/markup-compatibility/2006" xmlns:p14="http://schemas.microsoft.com/office/powerpoint/2010/main">
+        <mc:Choice Requires="p14">
           <p:contentPart p14:bwMode="auto" r:id="rId27">
             <p14:nvContentPartPr>
               <p14:cNvPr id="41" name="Ink 40">
@@ -11210,7 +11271,7 @@
             </p14:xfrm>
           </p:contentPart>
         </mc:Choice>
-        <mc:Fallback>
+        <mc:Fallback xmlns="">
           <p:pic>
             <p:nvPicPr>
               <p:cNvPr id="41" name="Ink 40">
@@ -11241,8 +11302,8 @@
           </p:pic>
         </mc:Fallback>
       </mc:AlternateContent>
-      <mc:AlternateContent xmlns:mc="http://schemas.openxmlformats.org/markup-compatibility/2006">
-        <mc:Choice xmlns:p14="http://schemas.microsoft.com/office/powerpoint/2010/main" Requires="p14">
+      <mc:AlternateContent xmlns:mc="http://schemas.openxmlformats.org/markup-compatibility/2006" xmlns:p14="http://schemas.microsoft.com/office/powerpoint/2010/main">
+        <mc:Choice Requires="p14">
           <p:contentPart p14:bwMode="auto" r:id="rId28">
             <p14:nvContentPartPr>
               <p14:cNvPr id="42" name="Ink 41">
@@ -11261,7 +11322,7 @@
             </p14:xfrm>
           </p:contentPart>
         </mc:Choice>
-        <mc:Fallback>
+        <mc:Fallback xmlns="">
           <p:pic>
             <p:nvPicPr>
               <p:cNvPr id="42" name="Ink 41">
@@ -11292,8 +11353,8 @@
           </p:pic>
         </mc:Fallback>
       </mc:AlternateContent>
-      <mc:AlternateContent xmlns:mc="http://schemas.openxmlformats.org/markup-compatibility/2006">
-        <mc:Choice xmlns:p14="http://schemas.microsoft.com/office/powerpoint/2010/main" Requires="p14">
+      <mc:AlternateContent xmlns:mc="http://schemas.openxmlformats.org/markup-compatibility/2006" xmlns:p14="http://schemas.microsoft.com/office/powerpoint/2010/main">
+        <mc:Choice Requires="p14">
           <p:contentPart p14:bwMode="auto" r:id="rId29">
             <p14:nvContentPartPr>
               <p14:cNvPr id="43" name="Ink 42">
@@ -11312,7 +11373,7 @@
             </p14:xfrm>
           </p:contentPart>
         </mc:Choice>
-        <mc:Fallback>
+        <mc:Fallback xmlns="">
           <p:pic>
             <p:nvPicPr>
               <p:cNvPr id="43" name="Ink 42">
@@ -11343,8 +11404,8 @@
           </p:pic>
         </mc:Fallback>
       </mc:AlternateContent>
-      <mc:AlternateContent xmlns:mc="http://schemas.openxmlformats.org/markup-compatibility/2006">
-        <mc:Choice xmlns:p14="http://schemas.microsoft.com/office/powerpoint/2010/main" Requires="p14">
+      <mc:AlternateContent xmlns:mc="http://schemas.openxmlformats.org/markup-compatibility/2006" xmlns:p14="http://schemas.microsoft.com/office/powerpoint/2010/main">
+        <mc:Choice Requires="p14">
           <p:contentPart p14:bwMode="auto" r:id="rId30">
             <p14:nvContentPartPr>
               <p14:cNvPr id="44" name="Ink 43">
@@ -11363,7 +11424,7 @@
             </p14:xfrm>
           </p:contentPart>
         </mc:Choice>
-        <mc:Fallback>
+        <mc:Fallback xmlns="">
           <p:pic>
             <p:nvPicPr>
               <p:cNvPr id="44" name="Ink 43">
@@ -12235,53 +12296,6 @@
       </p:grpSpPr>
       <p:sp>
         <p:nvSpPr>
-          <p:cNvPr id="10" name="Rectangle: Rounded Corners 9">
-            <a:extLst>
-              <a:ext uri="{FF2B5EF4-FFF2-40B4-BE49-F238E27FC236}">
-                <a16:creationId xmlns:a16="http://schemas.microsoft.com/office/drawing/2014/main" id="{2317C5C5-4792-463C-A422-AE6B7D7D33E0}"/>
-              </a:ext>
-            </a:extLst>
-          </p:cNvPr>
-          <p:cNvSpPr/>
-          <p:nvPr/>
-        </p:nvSpPr>
-        <p:spPr>
-          <a:xfrm>
-            <a:off x="477982" y="6499860"/>
-            <a:ext cx="6130636" cy="182880"/>
-          </a:xfrm>
-          <a:prstGeom prst="roundRect">
-            <a:avLst/>
-          </a:prstGeom>
-        </p:spPr>
-        <p:style>
-          <a:lnRef idx="0">
-            <a:schemeClr val="accent6"/>
-          </a:lnRef>
-          <a:fillRef idx="3">
-            <a:schemeClr val="accent6"/>
-          </a:fillRef>
-          <a:effectRef idx="3">
-            <a:schemeClr val="accent6"/>
-          </a:effectRef>
-          <a:fontRef idx="minor">
-            <a:schemeClr val="lt1"/>
-          </a:fontRef>
-        </p:style>
-        <p:txBody>
-          <a:bodyPr rtlCol="0" anchor="ctr"/>
-          <a:lstStyle/>
-          <a:p>
-            <a:pPr algn="ctr"/>
-            <a:r>
-              <a:rPr lang="en-US" dirty="0"/>
-              <a:t>3</a:t>
-            </a:r>
-          </a:p>
-        </p:txBody>
-      </p:sp>
-      <p:sp>
-        <p:nvSpPr>
           <p:cNvPr id="4" name="TextBox 3">
             <a:extLst>
               <a:ext uri="{FF2B5EF4-FFF2-40B4-BE49-F238E27FC236}">
@@ -12458,52 +12472,120 @@
           </a:p>
         </p:txBody>
       </p:sp>
-      <p:sp>
-        <p:nvSpPr>
-          <p:cNvPr id="9" name="Oval 8">
+      <p:grpSp>
+        <p:nvGrpSpPr>
+          <p:cNvPr id="2" name="Group 1">
             <a:extLst>
               <a:ext uri="{FF2B5EF4-FFF2-40B4-BE49-F238E27FC236}">
-                <a16:creationId xmlns:a16="http://schemas.microsoft.com/office/drawing/2014/main" id="{C37A4C60-D71B-4758-90C3-323AF4FD9204}"/>
+                <a16:creationId xmlns:a16="http://schemas.microsoft.com/office/drawing/2014/main" id="{AF938D47-3D97-4BB4-8DBD-075482217EF7}"/>
               </a:ext>
             </a:extLst>
           </p:cNvPr>
-          <p:cNvSpPr/>
+          <p:cNvGrpSpPr/>
           <p:nvPr/>
-        </p:nvSpPr>
-        <p:spPr>
+        </p:nvGrpSpPr>
+        <p:grpSpPr>
           <a:xfrm>
-            <a:off x="3429000" y="6477000"/>
-            <a:ext cx="228600" cy="228600"/>
+            <a:off x="477982" y="6477000"/>
+            <a:ext cx="6130636" cy="228600"/>
+            <a:chOff x="477982" y="6477000"/>
+            <a:chExt cx="6130636" cy="228600"/>
           </a:xfrm>
-          <a:prstGeom prst="ellipse">
-            <a:avLst/>
-          </a:prstGeom>
-        </p:spPr>
-        <p:style>
-          <a:lnRef idx="2">
-            <a:schemeClr val="dk1">
-              <a:shade val="50000"/>
-            </a:schemeClr>
-          </a:lnRef>
-          <a:fillRef idx="1">
-            <a:schemeClr val="dk1"/>
-          </a:fillRef>
-          <a:effectRef idx="0">
-            <a:schemeClr val="dk1"/>
-          </a:effectRef>
-          <a:fontRef idx="minor">
-            <a:schemeClr val="lt1"/>
-          </a:fontRef>
-        </p:style>
-        <p:txBody>
-          <a:bodyPr rtlCol="0" anchor="ctr"/>
-          <a:lstStyle/>
-          <a:p>
-            <a:pPr algn="ctr"/>
-            <a:endParaRPr lang="en-US"/>
-          </a:p>
-        </p:txBody>
-      </p:sp>
+        </p:grpSpPr>
+        <p:sp>
+          <p:nvSpPr>
+            <p:cNvPr id="10" name="Rectangle: Rounded Corners 9">
+              <a:extLst>
+                <a:ext uri="{FF2B5EF4-FFF2-40B4-BE49-F238E27FC236}">
+                  <a16:creationId xmlns:a16="http://schemas.microsoft.com/office/drawing/2014/main" id="{2317C5C5-4792-463C-A422-AE6B7D7D33E0}"/>
+                </a:ext>
+              </a:extLst>
+            </p:cNvPr>
+            <p:cNvSpPr/>
+            <p:nvPr/>
+          </p:nvSpPr>
+          <p:spPr>
+            <a:xfrm>
+              <a:off x="477982" y="6499860"/>
+              <a:ext cx="6130636" cy="182880"/>
+            </a:xfrm>
+            <a:prstGeom prst="roundRect">
+              <a:avLst/>
+            </a:prstGeom>
+          </p:spPr>
+          <p:style>
+            <a:lnRef idx="0">
+              <a:schemeClr val="accent6"/>
+            </a:lnRef>
+            <a:fillRef idx="3">
+              <a:schemeClr val="accent6"/>
+            </a:fillRef>
+            <a:effectRef idx="3">
+              <a:schemeClr val="accent6"/>
+            </a:effectRef>
+            <a:fontRef idx="minor">
+              <a:schemeClr val="lt1"/>
+            </a:fontRef>
+          </p:style>
+          <p:txBody>
+            <a:bodyPr rtlCol="0" anchor="ctr"/>
+            <a:lstStyle/>
+            <a:p>
+              <a:pPr algn="ctr"/>
+              <a:r>
+                <a:rPr lang="en-US" dirty="0"/>
+                <a:t>3</a:t>
+              </a:r>
+            </a:p>
+          </p:txBody>
+        </p:sp>
+        <p:sp>
+          <p:nvSpPr>
+            <p:cNvPr id="9" name="Oval 8">
+              <a:extLst>
+                <a:ext uri="{FF2B5EF4-FFF2-40B4-BE49-F238E27FC236}">
+                  <a16:creationId xmlns:a16="http://schemas.microsoft.com/office/drawing/2014/main" id="{C37A4C60-D71B-4758-90C3-323AF4FD9204}"/>
+                </a:ext>
+              </a:extLst>
+            </p:cNvPr>
+            <p:cNvSpPr/>
+            <p:nvPr/>
+          </p:nvSpPr>
+          <p:spPr>
+            <a:xfrm>
+              <a:off x="3429000" y="6477000"/>
+              <a:ext cx="228600" cy="228600"/>
+            </a:xfrm>
+            <a:prstGeom prst="ellipse">
+              <a:avLst/>
+            </a:prstGeom>
+          </p:spPr>
+          <p:style>
+            <a:lnRef idx="2">
+              <a:schemeClr val="dk1">
+                <a:shade val="50000"/>
+              </a:schemeClr>
+            </a:lnRef>
+            <a:fillRef idx="1">
+              <a:schemeClr val="dk1"/>
+            </a:fillRef>
+            <a:effectRef idx="0">
+              <a:schemeClr val="dk1"/>
+            </a:effectRef>
+            <a:fontRef idx="minor">
+              <a:schemeClr val="lt1"/>
+            </a:fontRef>
+          </p:style>
+          <p:txBody>
+            <a:bodyPr rtlCol="0" anchor="ctr"/>
+            <a:lstStyle/>
+            <a:p>
+              <a:pPr algn="ctr"/>
+              <a:endParaRPr lang="en-US"/>
+            </a:p>
+          </p:txBody>
+        </p:sp>
+      </p:grpSp>
       <p:sp>
         <p:nvSpPr>
           <p:cNvPr id="11" name="TextBox 10">
